--- a/CS608 Group 1 Midterm Presentation.pptx
+++ b/CS608 Group 1 Midterm Presentation.pptx
@@ -5065,7 +5065,12 @@
             <p:ph idx="1"/>
           </p:nvPr>
         </p:nvSpPr>
-        <p:spPr/>
+        <p:spPr>
+          <a:xfrm>
+            <a:off x="2692703" y="1430086"/>
+            <a:ext cx="7796540" cy="3997828"/>
+          </a:xfrm>
+        </p:spPr>
         <p:txBody>
           <a:bodyPr/>
           <a:lstStyle/>
@@ -5396,7 +5401,12 @@
             <p:ph idx="1"/>
           </p:nvPr>
         </p:nvSpPr>
-        <p:spPr/>
+        <p:spPr>
+          <a:xfrm>
+            <a:off x="2773599" y="2052116"/>
+            <a:ext cx="7796540" cy="1077229"/>
+          </a:xfrm>
+        </p:spPr>
         <p:txBody>
           <a:bodyPr/>
           <a:lstStyle/>

--- a/CS608 Group 1 Midterm Presentation.pptx
+++ b/CS608 Group 1 Midterm Presentation.pptx
@@ -4780,6 +4780,47 @@
           <a:lstStyle/>
           <a:p>
             <a:r>
+              <a:rPr lang="en" altLang="zh-CN" dirty="0">
+                <a:latin typeface="Arial" panose="020B0604020202020204" pitchFamily="34" charset="0"/>
+              </a:rPr>
+              <a:t>The</a:t>
+            </a:r>
+            <a:r>
+              <a:rPr lang="en" altLang="zh-CN" b="0" i="0" dirty="0">
+                <a:effectLst/>
+                <a:latin typeface="Arial" panose="020B0604020202020204" pitchFamily="34" charset="0"/>
+              </a:rPr>
+              <a:t> Problem to Solve</a:t>
+            </a:r>
+          </a:p>
+          <a:p>
+            <a:pPr lvl="1"/>
+            <a:r>
+              <a:rPr lang="en" altLang="zh-CN" b="0" i="0" dirty="0">
+                <a:effectLst/>
+                <a:latin typeface="Arial" panose="020B0604020202020204" pitchFamily="34" charset="0"/>
+              </a:rPr>
+              <a:t>Interpre</a:t>
+            </a:r>
+            <a:r>
+              <a:rPr lang="en" altLang="zh-CN" dirty="0">
+                <a:latin typeface="Arial" panose="020B0604020202020204" pitchFamily="34" charset="0"/>
+              </a:rPr>
+              <a:t>tation of Arithmetic Expressions</a:t>
+            </a:r>
+          </a:p>
+          <a:p>
+            <a:pPr lvl="1"/>
+            <a:r>
+              <a:rPr lang="en" altLang="zh-CN" b="0" i="0" dirty="0">
+                <a:effectLst/>
+                <a:latin typeface="Arial" panose="020B0604020202020204" pitchFamily="34" charset="0"/>
+              </a:rPr>
+              <a:t>Evaluation of the Result out of the Expressions</a:t>
+            </a:r>
+          </a:p>
+          <a:p>
+            <a:r>
               <a:rPr lang="en" altLang="zh-CN" b="0" i="0" dirty="0">
                 <a:effectLst/>
                 <a:latin typeface="Arial" panose="020B0604020202020204" pitchFamily="34" charset="0"/>
@@ -4821,47 +4862,6 @@
             <a:endParaRPr lang="en" altLang="zh-CN" dirty="0">
               <a:latin typeface="Arial" panose="020B0604020202020204" pitchFamily="34" charset="0"/>
             </a:endParaRPr>
-          </a:p>
-          <a:p>
-            <a:r>
-              <a:rPr lang="en" altLang="zh-CN" dirty="0">
-                <a:latin typeface="Arial" panose="020B0604020202020204" pitchFamily="34" charset="0"/>
-              </a:rPr>
-              <a:t>The</a:t>
-            </a:r>
-            <a:r>
-              <a:rPr lang="en" altLang="zh-CN" b="0" i="0" dirty="0">
-                <a:effectLst/>
-                <a:latin typeface="Arial" panose="020B0604020202020204" pitchFamily="34" charset="0"/>
-              </a:rPr>
-              <a:t> Problem to Solve</a:t>
-            </a:r>
-          </a:p>
-          <a:p>
-            <a:pPr lvl="1"/>
-            <a:r>
-              <a:rPr lang="en" altLang="zh-CN" b="0" i="0" dirty="0">
-                <a:effectLst/>
-                <a:latin typeface="Arial" panose="020B0604020202020204" pitchFamily="34" charset="0"/>
-              </a:rPr>
-              <a:t>Interpre</a:t>
-            </a:r>
-            <a:r>
-              <a:rPr lang="en" altLang="zh-CN" dirty="0">
-                <a:latin typeface="Arial" panose="020B0604020202020204" pitchFamily="34" charset="0"/>
-              </a:rPr>
-              <a:t>tation of Arithmetic Expressions</a:t>
-            </a:r>
-          </a:p>
-          <a:p>
-            <a:pPr lvl="1"/>
-            <a:r>
-              <a:rPr lang="en" altLang="zh-CN" b="0" i="0" dirty="0">
-                <a:effectLst/>
-                <a:latin typeface="Arial" panose="020B0604020202020204" pitchFamily="34" charset="0"/>
-              </a:rPr>
-              <a:t>Evaluation of the Result out of the Expressions</a:t>
-            </a:r>
           </a:p>
         </p:txBody>
       </p:sp>
